--- a/NSI__02/Obserwator_Rzepiela_Filip.pptx
+++ b/NSI__02/Obserwator_Rzepiela_Filip.pptx
@@ -17622,15 +17622,7 @@
             <a:pPr algn="ctr" rtl="0"/>
             <a:r>
               <a:rPr lang="pl-PL" sz="3600" dirty="0"/>
-              <a:t>Diagram </a:t>
-            </a:r>
-            <a:r>
-              <a:rPr lang="pl-PL" sz="3600" dirty="0" err="1"/>
-              <a:t>przedsawiający</a:t>
-            </a:r>
-            <a:r>
-              <a:rPr lang="pl-PL" sz="3600" dirty="0"/>
-              <a:t> ideę obserwatora</a:t>
+              <a:t>Diagram przedstawiający ideę obserwatora</a:t>
             </a:r>
           </a:p>
         </p:txBody>
@@ -20148,6 +20140,15 @@
 </file>
 
 <file path=customXml/item1.xml><?xml version="1.0" encoding="utf-8"?>
+<?mso-contentType ?>
+<FormTemplates xmlns="http://schemas.microsoft.com/sharepoint/v3/contenttype/forms">
+  <Display>DocumentLibraryForm</Display>
+  <Edit>DocumentLibraryForm</Edit>
+  <New>DocumentLibraryForm</New>
+</FormTemplates>
+</file>
+
+<file path=customXml/item2.xml><?xml version="1.0" encoding="utf-8"?>
 <ct:contentTypeSchema xmlns:ct="http://schemas.microsoft.com/office/2006/metadata/contentType" xmlns:ma="http://schemas.microsoft.com/office/2006/metadata/properties/metaAttributes" ct:_="" ma:_="" ma:contentTypeName="Document" ma:contentTypeID="0x0101008B9A2FA0FF3D4840894F92F1375EE441" ma:contentTypeVersion="11" ma:contentTypeDescription="Create a new document." ma:contentTypeScope="" ma:versionID="0e4db450b07994507f36c5834bb898b8">
   <xsd:schema xmlns:xsd="http://www.w3.org/2001/XMLSchema" xmlns:xs="http://www.w3.org/2001/XMLSchema" xmlns:p="http://schemas.microsoft.com/office/2006/metadata/properties" xmlns:ns3="d8c1f937-9e9e-4b54-b8ac-6d64bc5bc571" xmlns:ns4="fb5f9d6d-f276-4ef9-9244-ec729f26c57c" targetNamespace="http://schemas.microsoft.com/office/2006/metadata/properties" ma:root="true" ma:fieldsID="ab87c040a943dd010831df00b59e15d5" ns3:_="" ns4:_="">
     <xsd:import namespace="d8c1f937-9e9e-4b54-b8ac-6d64bc5bc571"/>
@@ -20358,15 +20359,6 @@
 </ct:contentTypeSchema>
 </file>
 
-<file path=customXml/item2.xml><?xml version="1.0" encoding="utf-8"?>
-<?mso-contentType ?>
-<FormTemplates xmlns="http://schemas.microsoft.com/sharepoint/v3/contenttype/forms">
-  <Display>DocumentLibraryForm</Display>
-  <Edit>DocumentLibraryForm</Edit>
-  <New>DocumentLibraryForm</New>
-</FormTemplates>
-</file>
-
 <file path=customXml/item3.xml><?xml version="1.0" encoding="utf-8"?>
 <p:properties xmlns:p="http://schemas.microsoft.com/office/2006/metadata/properties" xmlns:xsi="http://www.w3.org/2001/XMLSchema-instance" xmlns:pc="http://schemas.microsoft.com/office/infopath/2007/PartnerControls">
   <documentManagement/>
@@ -20374,6 +20366,14 @@
 </file>
 
 <file path=customXml/itemProps1.xml><?xml version="1.0" encoding="utf-8"?>
+<ds:datastoreItem xmlns:ds="http://schemas.openxmlformats.org/officeDocument/2006/customXml" ds:itemID="{42BA8909-6716-4D0F-A7DA-662C602D00F4}">
+  <ds:schemaRefs>
+    <ds:schemaRef ds:uri="http://schemas.microsoft.com/sharepoint/v3/contenttype/forms"/>
+  </ds:schemaRefs>
+</ds:datastoreItem>
+</file>
+
+<file path=customXml/itemProps2.xml><?xml version="1.0" encoding="utf-8"?>
 <ds:datastoreItem xmlns:ds="http://schemas.openxmlformats.org/officeDocument/2006/customXml" ds:itemID="{F009BDBF-E178-462D-8B6E-D6ECFDD8BF28}">
   <ds:schemaRefs>
     <ds:schemaRef ds:uri="http://schemas.microsoft.com/office/2006/metadata/contentType"/>
@@ -20388,14 +20388,6 @@
     <ds:schemaRef ds:uri="http://purl.org/dc/elements/1.1/"/>
     <ds:schemaRef ds:uri="http://purl.org/dc/terms/"/>
     <ds:schemaRef ds:uri="http://schemas.microsoft.com/internal/obd"/>
-  </ds:schemaRefs>
-</ds:datastoreItem>
-</file>
-
-<file path=customXml/itemProps2.xml><?xml version="1.0" encoding="utf-8"?>
-<ds:datastoreItem xmlns:ds="http://schemas.openxmlformats.org/officeDocument/2006/customXml" ds:itemID="{42BA8909-6716-4D0F-A7DA-662C602D00F4}">
-  <ds:schemaRefs>
-    <ds:schemaRef ds:uri="http://schemas.microsoft.com/sharepoint/v3/contenttype/forms"/>
   </ds:schemaRefs>
 </ds:datastoreItem>
 </file>
